--- a/proposal/프레젠테이션3.pptx
+++ b/proposal/프레젠테이션3.pptx
@@ -10,7 +10,9 @@
     <p:sldId id="261" r:id="rId4"/>
     <p:sldId id="264" r:id="rId5"/>
     <p:sldId id="262" r:id="rId6"/>
-    <p:sldId id="263" r:id="rId7"/>
+    <p:sldId id="265" r:id="rId7"/>
+    <p:sldId id="266" r:id="rId8"/>
+    <p:sldId id="263" r:id="rId9"/>
   </p:sldIdLst>
   <p:sldSz cx="12192000" cy="6858000"/>
   <p:notesSz cx="6858000" cy="9144000"/>
@@ -3088,7 +3090,15 @@
             </a:r>
             <a:r>
               <a:rPr lang="ko-KR" altLang="en-US" sz="3600" dirty="0" smtClean="0"/>
-              <a:t>중간 발표</a:t>
+              <a:t>최종</a:t>
+            </a:r>
+            <a:r>
+              <a:rPr lang="ko-KR" altLang="en-US" sz="3600" dirty="0" smtClean="0"/>
+              <a:t> </a:t>
+            </a:r>
+            <a:r>
+              <a:rPr lang="ko-KR" altLang="en-US" sz="3600" dirty="0" smtClean="0"/>
+              <a:t>발표</a:t>
             </a:r>
             <a:endParaRPr lang="en-US" altLang="ko-KR" sz="3600" dirty="0" smtClean="0"/>
           </a:p>
@@ -3372,7 +3382,7 @@
         <p:spPr>
           <a:xfrm>
             <a:off x="738993" y="1704483"/>
-            <a:ext cx="10155748" cy="1323439"/>
+            <a:ext cx="10155748" cy="1015663"/>
           </a:xfrm>
           <a:prstGeom prst="rect">
             <a:avLst/>
@@ -3407,31 +3417,15 @@
                   <a:schemeClr val="accent1"/>
                 </a:solidFill>
               </a:rPr>
-              <a:t>개의 일반 스테이지</a:t>
+              <a:t>개의 스테이지</a:t>
             </a:r>
             <a:r>
               <a:rPr lang="ko-KR" altLang="en-US" sz="2000" dirty="0" smtClean="0"/>
-              <a:t>와 </a:t>
-            </a:r>
-            <a:r>
-              <a:rPr lang="en-US" altLang="ko-KR" sz="2000" dirty="0" smtClean="0">
-                <a:solidFill>
-                  <a:schemeClr val="accent1"/>
-                </a:solidFill>
-              </a:rPr>
-              <a:t>1</a:t>
-            </a:r>
-            <a:r>
-              <a:rPr lang="ko-KR" altLang="en-US" sz="2000" dirty="0" smtClean="0">
-                <a:solidFill>
-                  <a:schemeClr val="accent1"/>
-                </a:solidFill>
-              </a:rPr>
-              <a:t>개의 보스 스테이지</a:t>
+              <a:t>로 </a:t>
             </a:r>
             <a:r>
               <a:rPr lang="ko-KR" altLang="en-US" sz="2000" dirty="0" smtClean="0"/>
-              <a:t>로 구성된 </a:t>
+              <a:t>구성된 </a:t>
             </a:r>
             <a:r>
               <a:rPr lang="ko-KR" altLang="en-US" sz="2000" dirty="0" smtClean="0">
@@ -3459,7 +3453,11 @@
             </a:r>
             <a:r>
               <a:rPr lang="ko-KR" altLang="en-US" sz="2000" dirty="0" smtClean="0"/>
-              <a:t> 최대한 빨리 </a:t>
+              <a:t> 최대한 </a:t>
+            </a:r>
+            <a:r>
+              <a:rPr lang="ko-KR" altLang="en-US" sz="2000" dirty="0" smtClean="0"/>
+              <a:t>높은 점수로 </a:t>
             </a:r>
             <a:r>
               <a:rPr lang="ko-KR" altLang="en-US" sz="2000" dirty="0" err="1" smtClean="0"/>
@@ -3484,12 +3482,29 @@
             </a:r>
             <a:r>
               <a:rPr lang="ko-KR" altLang="en-US" sz="2000" dirty="0" smtClean="0"/>
-              <a:t>점수를 주는 아이템을 많이 획득하여 더 높은 점수를 얻는다</a:t>
+              <a:t>빠르게 </a:t>
+            </a:r>
+            <a:r>
+              <a:rPr lang="ko-KR" altLang="en-US" sz="2000" dirty="0" err="1" smtClean="0"/>
+              <a:t>클리어</a:t>
+            </a:r>
+            <a:r>
+              <a:rPr lang="ko-KR" altLang="en-US" sz="2000" dirty="0" smtClean="0"/>
+              <a:t> 하여 </a:t>
+            </a:r>
+            <a:r>
+              <a:rPr lang="ko-KR" altLang="en-US" sz="2000" dirty="0" err="1" smtClean="0"/>
+              <a:t>클리어</a:t>
+            </a:r>
+            <a:r>
+              <a:rPr lang="ko-KR" altLang="en-US" sz="2000" dirty="0" smtClean="0"/>
+              <a:t> 타임을 줄이는 것을 추가목표로 한다</a:t>
             </a:r>
             <a:r>
               <a:rPr lang="en-US" altLang="ko-KR" sz="2000" dirty="0" smtClean="0"/>
               <a:t>.</a:t>
             </a:r>
+            <a:endParaRPr lang="en-US" altLang="ko-KR" sz="2000" dirty="0" smtClean="0"/>
           </a:p>
         </p:txBody>
       </p:sp>
@@ -3501,7 +3516,7 @@
         </p:nvSpPr>
         <p:spPr>
           <a:xfrm>
-            <a:off x="738993" y="3201199"/>
+            <a:off x="819117" y="3149245"/>
             <a:ext cx="10283584" cy="1323439"/>
           </a:xfrm>
           <a:prstGeom prst="rect">
@@ -3593,8 +3608,9 @@
             </a:r>
             <a:r>
               <a:rPr lang="en-US" altLang="ko-KR" sz="2000" dirty="0" smtClean="0"/>
-              <a:t>!</a:t>
-            </a:r>
+              <a:t>! </a:t>
+            </a:r>
+            <a:endParaRPr lang="en-US" altLang="ko-KR" sz="2000" dirty="0" smtClean="0"/>
           </a:p>
         </p:txBody>
       </p:sp>
@@ -3824,7 +3840,7 @@
           <p:nvPr>
             <p:extLst>
               <p:ext uri="{D42A27DB-BD31-4B8C-83A1-F6EECF244321}">
-                <p14:modId xmlns:p14="http://schemas.microsoft.com/office/powerpoint/2010/main" val="1901073965"/>
+                <p14:modId xmlns:p14="http://schemas.microsoft.com/office/powerpoint/2010/main" val="1274253980"/>
               </p:ext>
             </p:extLst>
           </p:nvPr>
@@ -3899,7 +3915,11 @@
                       <a:pPr latinLnBrk="1"/>
                       <a:r>
                         <a:rPr lang="ko-KR" altLang="en-US" dirty="0" smtClean="0"/>
-                        <a:t>총 진행도</a:t>
+                        <a:t>총 </a:t>
+                      </a:r>
+                      <a:r>
+                        <a:rPr lang="ko-KR" altLang="en-US" dirty="0" smtClean="0"/>
+                        <a:t>진척도</a:t>
                       </a:r>
                       <a:endParaRPr lang="ko-KR" altLang="en-US" dirty="0"/>
                     </a:p>
@@ -4472,15 +4492,11 @@
                       </a:r>
                       <a:r>
                         <a:rPr lang="ko-KR" altLang="en-US" sz="1600" dirty="0" smtClean="0"/>
-                        <a:t>점프 구현</a:t>
-                      </a:r>
-                      <a:r>
-                        <a:rPr lang="ko-KR" altLang="en-US" sz="1600" baseline="0" dirty="0" smtClean="0"/>
-                        <a:t> </a:t>
-                      </a:r>
-                      <a:r>
-                        <a:rPr lang="en-US" altLang="ko-KR" sz="1600" baseline="0" dirty="0" smtClean="0"/>
-                        <a:t>(-40%)</a:t>
+                        <a:t>점프 </a:t>
+                      </a:r>
+                      <a:r>
+                        <a:rPr lang="ko-KR" altLang="en-US" sz="1600" dirty="0" smtClean="0"/>
+                        <a:t>구현</a:t>
                       </a:r>
                       <a:endParaRPr lang="en-US" altLang="ko-KR" sz="1600" dirty="0" smtClean="0"/>
                     </a:p>
@@ -4502,7 +4518,7 @@
                       </a:r>
                       <a:r>
                         <a:rPr lang="en-US" altLang="ko-KR" sz="1600" dirty="0" smtClean="0"/>
-                        <a:t>) (-20%)</a:t>
+                        <a:t>)</a:t>
                       </a:r>
                     </a:p>
                     <a:p>
@@ -4511,7 +4527,11 @@
                       </a:pPr>
                       <a:r>
                         <a:rPr lang="ko-KR" altLang="en-US" sz="1600" dirty="0" smtClean="0"/>
-                        <a:t>버블과 적 상호작용 구현</a:t>
+                        <a:t>버블과 </a:t>
+                      </a:r>
+                      <a:r>
+                        <a:rPr lang="ko-KR" altLang="en-US" sz="1600" dirty="0" smtClean="0"/>
+                        <a:t>적 상호작용 구현</a:t>
                       </a:r>
                       <a:r>
                         <a:rPr lang="en-US" altLang="ko-KR" sz="1600" dirty="0" smtClean="0"/>
@@ -4519,11 +4539,11 @@
                       </a:r>
                       <a:r>
                         <a:rPr lang="ko-KR" altLang="en-US" sz="1600" dirty="0" smtClean="0"/>
-                        <a:t>적이 버블에 갇히는 시점</a:t>
-                      </a:r>
-                      <a:r>
-                        <a:rPr lang="en-US" altLang="ko-KR" sz="1600" smtClean="0"/>
-                        <a:t>) (-20%)</a:t>
+                        <a:t>적이 버블에 갇히는 </a:t>
+                      </a:r>
+                      <a:r>
+                        <a:rPr lang="ko-KR" altLang="en-US" sz="1600" dirty="0" smtClean="0"/>
+                        <a:t>시점</a:t>
                       </a:r>
                       <a:endParaRPr lang="ko-KR" altLang="en-US" sz="1600" dirty="0"/>
                     </a:p>
@@ -4540,11 +4560,11 @@
                       </a:pPr>
                       <a:r>
                         <a:rPr lang="en-US" altLang="ko-KR" sz="1600" dirty="0" smtClean="0"/>
-                        <a:t>20</a:t>
+                        <a:t>100 </a:t>
                       </a:r>
                       <a:r>
                         <a:rPr lang="en-US" altLang="ko-KR" sz="1600" baseline="0" dirty="0" smtClean="0"/>
-                        <a:t> %</a:t>
+                        <a:t>%</a:t>
                       </a:r>
                       <a:endParaRPr lang="ko-KR" altLang="en-US" sz="1600" dirty="0"/>
                     </a:p>
@@ -4644,7 +4664,11 @@
                       </a:pPr>
                       <a:r>
                         <a:rPr lang="en-US" altLang="ko-KR" sz="1600" dirty="0" smtClean="0"/>
-                        <a:t>0 %</a:t>
+                        <a:t>100 </a:t>
+                      </a:r>
+                      <a:r>
+                        <a:rPr lang="en-US" altLang="ko-KR" sz="1600" dirty="0" smtClean="0"/>
+                        <a:t>%</a:t>
                       </a:r>
                       <a:endParaRPr lang="ko-KR" altLang="en-US" sz="1600" dirty="0"/>
                     </a:p>
@@ -4713,14 +4737,7 @@
                 <a:latin typeface="+mj-ea"/>
                 <a:ea typeface="+mj-ea"/>
               </a:rPr>
-              <a:t>개발 </a:t>
-            </a:r>
-            <a:r>
-              <a:rPr lang="ko-KR" altLang="en-US" sz="4800" b="1" dirty="0" smtClean="0">
-                <a:latin typeface="+mj-ea"/>
-                <a:ea typeface="+mj-ea"/>
-              </a:rPr>
-              <a:t>진척도 </a:t>
+              <a:t>개발 진척도 </a:t>
             </a:r>
             <a:r>
               <a:rPr lang="en-US" altLang="ko-KR" sz="4800" b="1" dirty="0" smtClean="0">
@@ -4776,7 +4793,11 @@
             <a:graphicFrameLocks noGrp="1"/>
           </p:cNvGraphicFramePr>
           <p:nvPr>
-            <p:extLst/>
+            <p:extLst>
+              <p:ext uri="{D42A27DB-BD31-4B8C-83A1-F6EECF244321}">
+                <p14:modId xmlns:p14="http://schemas.microsoft.com/office/powerpoint/2010/main" val="2944101126"/>
+              </p:ext>
+            </p:extLst>
           </p:nvPr>
         </p:nvGraphicFramePr>
         <p:xfrm>
@@ -4849,7 +4870,11 @@
                       <a:pPr latinLnBrk="1"/>
                       <a:r>
                         <a:rPr lang="ko-KR" altLang="en-US" dirty="0" smtClean="0"/>
-                        <a:t>총 진행도</a:t>
+                        <a:t>총 </a:t>
+                      </a:r>
+                      <a:r>
+                        <a:rPr lang="ko-KR" altLang="en-US" dirty="0" smtClean="0"/>
+                        <a:t>진척도</a:t>
                       </a:r>
                       <a:endParaRPr lang="ko-KR" altLang="en-US" dirty="0"/>
                     </a:p>
@@ -4866,7 +4891,7 @@
                       <a:pPr latinLnBrk="1"/>
                       <a:r>
                         <a:rPr lang="en-US" altLang="ko-KR" sz="2400" dirty="0" smtClean="0"/>
-                        <a:t>0</a:t>
+                        <a:t>5</a:t>
                       </a:r>
                       <a:r>
                         <a:rPr lang="ko-KR" altLang="en-US" sz="2400" dirty="0" smtClean="0"/>
@@ -4878,11 +4903,11 @@
                       <a:pPr latinLnBrk="1"/>
                       <a:r>
                         <a:rPr lang="en-US" altLang="ko-KR" sz="1400" dirty="0" smtClean="0"/>
-                        <a:t>(9/24</a:t>
+                        <a:t>(10/29</a:t>
                       </a:r>
                       <a:r>
                         <a:rPr lang="en-US" altLang="ko-KR" sz="1400" baseline="0" dirty="0" smtClean="0"/>
-                        <a:t>~9/30)</a:t>
+                        <a:t>~11/4)</a:t>
                       </a:r>
                       <a:endParaRPr lang="ko-KR" altLang="en-US" sz="1400" dirty="0"/>
                     </a:p>
@@ -4897,29 +4922,20 @@
                       <a:pPr latinLnBrk="1"/>
                       <a:r>
                         <a:rPr lang="ko-KR" altLang="en-US" sz="1600" dirty="0" smtClean="0"/>
-                        <a:t>기획 설정</a:t>
-                      </a:r>
-                      <a:endParaRPr lang="en-US" altLang="ko-KR" sz="1600" dirty="0" smtClean="0"/>
+                        <a:t>중간 발표</a:t>
+                      </a:r>
+                      <a:r>
+                        <a:rPr lang="en-US" altLang="ko-KR" sz="1600" dirty="0" smtClean="0"/>
+                        <a:t>(10/30)</a:t>
+                      </a:r>
                     </a:p>
                     <a:p>
                       <a:pPr latinLnBrk="1"/>
                       <a:r>
                         <a:rPr lang="ko-KR" altLang="en-US" sz="1600" dirty="0" smtClean="0"/>
-                        <a:t>리소스 수집</a:t>
-                      </a:r>
-                      <a:endParaRPr lang="en-US" altLang="ko-KR" sz="1600" dirty="0" smtClean="0"/>
-                    </a:p>
-                    <a:p>
-                      <a:pPr latinLnBrk="1"/>
-                      <a:r>
-                        <a:rPr lang="en-US" altLang="ko-KR" sz="1600" dirty="0" smtClean="0"/>
-                        <a:t>1</a:t>
-                      </a:r>
-                      <a:r>
-                        <a:rPr lang="ko-KR" altLang="en-US" sz="1600" dirty="0" smtClean="0"/>
-                        <a:t>차 발표</a:t>
-                      </a:r>
-                      <a:endParaRPr lang="en-US" altLang="ko-KR" sz="1600" dirty="0" smtClean="0"/>
+                        <a:t>피드백 점검</a:t>
+                      </a:r>
+                      <a:endParaRPr lang="ko-KR" altLang="en-US" sz="1600" dirty="0"/>
                     </a:p>
                   </a:txBody>
                   <a:tcPr/>
@@ -4933,56 +4949,12 @@
                         <a:buAutoNum type="arabicPeriod"/>
                       </a:pPr>
                       <a:r>
+                        <a:rPr lang="en-US" altLang="ko-KR" sz="1600" baseline="0" dirty="0" smtClean="0"/>
+                        <a:t>2</a:t>
+                      </a:r>
+                      <a:r>
                         <a:rPr lang="ko-KR" altLang="en-US" sz="1600" baseline="0" dirty="0" smtClean="0"/>
-                        <a:t>발표 준비</a:t>
-                      </a:r>
-                      <a:endParaRPr lang="en-US" altLang="ko-KR" sz="1600" baseline="0" dirty="0" smtClean="0"/>
-                    </a:p>
-                    <a:p>
-                      <a:pPr marL="342900" marR="0" lvl="0" indent="-342900" algn="l" defTabSz="914400" rtl="0" eaLnBrk="1" fontAlgn="auto" latinLnBrk="1" hangingPunct="1">
-                        <a:lnSpc>
-                          <a:spcPct val="100000"/>
-                        </a:lnSpc>
-                        <a:spcBef>
-                          <a:spcPts val="0"/>
-                        </a:spcBef>
-                        <a:spcAft>
-                          <a:spcPts val="0"/>
-                        </a:spcAft>
-                        <a:buClrTx/>
-                        <a:buSzTx/>
-                        <a:buFontTx/>
-                        <a:buAutoNum type="arabicPeriod"/>
-                        <a:tabLst/>
-                        <a:defRPr/>
-                      </a:pPr>
-                      <a:r>
-                        <a:rPr lang="ko-KR" altLang="en-US" sz="1600" baseline="0" dirty="0" smtClean="0"/>
-                        <a:t>캐릭터</a:t>
-                      </a:r>
-                      <a:r>
-                        <a:rPr lang="en-US" altLang="ko-KR" sz="1600" baseline="0" dirty="0" smtClean="0"/>
-                        <a:t>, </a:t>
-                      </a:r>
-                      <a:r>
-                        <a:rPr lang="ko-KR" altLang="en-US" sz="1600" baseline="0" dirty="0" smtClean="0"/>
-                        <a:t>적</a:t>
-                      </a:r>
-                      <a:r>
-                        <a:rPr lang="en-US" altLang="ko-KR" sz="1600" baseline="0" dirty="0" smtClean="0"/>
-                        <a:t>, </a:t>
-                      </a:r>
-                      <a:r>
-                        <a:rPr lang="ko-KR" altLang="en-US" sz="1600" baseline="0" dirty="0" smtClean="0"/>
-                        <a:t>배경화면의 </a:t>
-                      </a:r>
-                      <a:r>
-                        <a:rPr lang="ko-KR" altLang="en-US" sz="1600" baseline="0" dirty="0" err="1" smtClean="0"/>
-                        <a:t>스프라이트</a:t>
-                      </a:r>
-                      <a:r>
-                        <a:rPr lang="ko-KR" altLang="en-US" sz="1600" baseline="0" dirty="0" smtClean="0"/>
-                        <a:t> 리소스 수집</a:t>
+                        <a:t>차 발표를 위한 중간 점검</a:t>
                       </a:r>
                       <a:endParaRPr lang="en-US" altLang="ko-KR" sz="1600" baseline="0" dirty="0" smtClean="0"/>
                     </a:p>
@@ -4991,18 +4963,24 @@
                         <a:buAutoNum type="arabicPeriod"/>
                       </a:pPr>
                       <a:r>
-                        <a:rPr lang="ko-KR" altLang="en-US" sz="1600" dirty="0" smtClean="0"/>
-                        <a:t>효과음</a:t>
-                      </a:r>
-                      <a:r>
-                        <a:rPr lang="en-US" altLang="ko-KR" sz="1600" dirty="0" smtClean="0"/>
-                        <a:t>, </a:t>
-                      </a:r>
-                      <a:r>
-                        <a:rPr lang="ko-KR" altLang="en-US" sz="1600" dirty="0" smtClean="0"/>
-                        <a:t>배경음악의 사운드 리소스 수집</a:t>
-                      </a:r>
-                      <a:endParaRPr lang="en-US" altLang="ko-KR" sz="1600" dirty="0" smtClean="0"/>
+                        <a:rPr lang="en-US" altLang="ko-KR" sz="1600" baseline="0" dirty="0" smtClean="0"/>
+                        <a:t>2</a:t>
+                      </a:r>
+                      <a:r>
+                        <a:rPr lang="ko-KR" altLang="en-US" sz="1600" baseline="0" dirty="0" smtClean="0"/>
+                        <a:t>차 발표 준비</a:t>
+                      </a:r>
+                      <a:endParaRPr lang="en-US" altLang="ko-KR" sz="1600" baseline="0" dirty="0" smtClean="0"/>
+                    </a:p>
+                    <a:p>
+                      <a:pPr marL="342900" indent="-342900">
+                        <a:buAutoNum type="arabicPeriod"/>
+                      </a:pPr>
+                      <a:r>
+                        <a:rPr lang="ko-KR" altLang="en-US" sz="1600" baseline="0" dirty="0" smtClean="0"/>
+                        <a:t>발표 내용에 대한 피드백 사항 보완</a:t>
+                      </a:r>
+                      <a:endParaRPr lang="en-US" altLang="ko-KR" sz="1600" baseline="0" dirty="0" smtClean="0"/>
                     </a:p>
                   </a:txBody>
                   <a:tcPr/>
@@ -5038,7 +5016,7 @@
                       <a:pPr latinLnBrk="1"/>
                       <a:r>
                         <a:rPr lang="en-US" altLang="ko-KR" sz="2400" dirty="0" smtClean="0"/>
-                        <a:t>1</a:t>
+                        <a:t>6</a:t>
                       </a:r>
                       <a:r>
                         <a:rPr lang="ko-KR" altLang="en-US" sz="2400" dirty="0" smtClean="0"/>
@@ -5050,11 +5028,11 @@
                       <a:pPr latinLnBrk="1"/>
                       <a:r>
                         <a:rPr lang="en-US" altLang="ko-KR" sz="1400" dirty="0" smtClean="0"/>
-                        <a:t>(10/1</a:t>
+                        <a:t>(11/5</a:t>
                       </a:r>
                       <a:r>
                         <a:rPr lang="en-US" altLang="ko-KR" sz="1400" baseline="0" dirty="0" smtClean="0"/>
-                        <a:t>~10/7)</a:t>
+                        <a:t>~11/11)</a:t>
                       </a:r>
                       <a:endParaRPr lang="ko-KR" altLang="en-US" sz="1400" dirty="0" smtClean="0"/>
                     </a:p>
@@ -5068,8 +5046,8 @@
                     <a:p>
                       <a:pPr latinLnBrk="1"/>
                       <a:r>
-                        <a:rPr lang="ko-KR" altLang="en-US" sz="1600" dirty="0" err="1" smtClean="0"/>
-                        <a:t>맵</a:t>
+                        <a:rPr lang="ko-KR" altLang="en-US" sz="1600" dirty="0" smtClean="0"/>
+                        <a:t>사운드</a:t>
                       </a:r>
                       <a:endParaRPr lang="en-US" altLang="ko-KR" sz="1600" dirty="0" smtClean="0"/>
                     </a:p>
@@ -5077,15 +5055,7 @@
                       <a:pPr latinLnBrk="1"/>
                       <a:r>
                         <a:rPr lang="ko-KR" altLang="en-US" sz="1600" dirty="0" smtClean="0"/>
-                        <a:t>캐릭터</a:t>
-                      </a:r>
-                      <a:endParaRPr lang="en-US" altLang="ko-KR" sz="1600" dirty="0" smtClean="0"/>
-                    </a:p>
-                    <a:p>
-                      <a:pPr latinLnBrk="1"/>
-                      <a:r>
-                        <a:rPr lang="ko-KR" altLang="en-US" sz="1600" dirty="0" smtClean="0"/>
-                        <a:t>버블 오브젝트</a:t>
+                        <a:t>환경설정</a:t>
                       </a:r>
                       <a:endParaRPr lang="ko-KR" altLang="en-US" sz="1600" dirty="0"/>
                     </a:p>
@@ -5101,53 +5071,80 @@
                         <a:buAutoNum type="arabicPeriod"/>
                       </a:pPr>
                       <a:r>
-                        <a:rPr lang="ko-KR" altLang="en-US" sz="1600" baseline="0" dirty="0" err="1" smtClean="0"/>
-                        <a:t>맵</a:t>
-                      </a:r>
-                      <a:r>
-                        <a:rPr lang="ko-KR" altLang="en-US" sz="1600" baseline="0" dirty="0" smtClean="0"/>
-                        <a:t> 출력</a:t>
-                      </a:r>
-                      <a:r>
-                        <a:rPr lang="en-US" altLang="ko-KR" sz="1600" baseline="0" dirty="0" smtClean="0"/>
+                        <a:rPr lang="ko-KR" altLang="en-US" sz="1600" dirty="0" smtClean="0"/>
+                        <a:t>효과음</a:t>
+                      </a:r>
+                      <a:r>
+                        <a:rPr lang="en-US" altLang="ko-KR" sz="1600" dirty="0" smtClean="0"/>
                         <a:t>, </a:t>
                       </a:r>
+                      <a:r>
+                        <a:rPr lang="ko-KR" altLang="en-US" sz="1600" dirty="0" err="1" smtClean="0"/>
+                        <a:t>배경음</a:t>
+                      </a:r>
+                      <a:r>
+                        <a:rPr lang="ko-KR" altLang="en-US" sz="1600" dirty="0" smtClean="0"/>
+                        <a:t> </a:t>
+                      </a:r>
+                      <a:r>
+                        <a:rPr lang="ko-KR" altLang="en-US" sz="1600" dirty="0" smtClean="0"/>
+                        <a:t>추가 </a:t>
+                      </a:r>
+                      <a:r>
+                        <a:rPr lang="en-US" altLang="ko-KR" sz="1600" dirty="0" smtClean="0"/>
+                        <a:t>(</a:t>
+                      </a:r>
+                      <a:r>
+                        <a:rPr lang="ko-KR" altLang="en-US" sz="1600" dirty="0" smtClean="0"/>
+                        <a:t>효과음 </a:t>
+                      </a:r>
+                      <a:r>
+                        <a:rPr lang="ko-KR" altLang="en-US" sz="1600" dirty="0" err="1" smtClean="0"/>
+                        <a:t>미구현</a:t>
+                      </a:r>
+                      <a:r>
+                        <a:rPr lang="ko-KR" altLang="en-US" sz="1600" dirty="0" smtClean="0"/>
+                        <a:t> </a:t>
+                      </a:r>
+                      <a:r>
+                        <a:rPr lang="en-US" altLang="ko-KR" sz="1600" dirty="0" smtClean="0"/>
+                        <a:t>-25%)</a:t>
+                      </a:r>
+                      <a:endParaRPr lang="en-US" altLang="ko-KR" sz="1600" dirty="0" smtClean="0"/>
                     </a:p>
                     <a:p>
                       <a:pPr marL="342900" indent="-342900">
                         <a:buAutoNum type="arabicPeriod"/>
                       </a:pPr>
                       <a:r>
-                        <a:rPr lang="ko-KR" altLang="en-US" sz="1600" baseline="0" dirty="0" smtClean="0"/>
-                        <a:t>캐릭터 이동</a:t>
-                      </a:r>
-                      <a:r>
-                        <a:rPr lang="en-US" altLang="ko-KR" sz="1600" baseline="0" dirty="0" smtClean="0"/>
+                        <a:rPr lang="ko-KR" altLang="en-US" sz="1600" dirty="0" smtClean="0"/>
+                        <a:t>사운드 크기 조절</a:t>
+                      </a:r>
+                      <a:r>
+                        <a:rPr lang="en-US" altLang="ko-KR" sz="1600" dirty="0" smtClean="0"/>
                         <a:t>, </a:t>
                       </a:r>
                       <a:r>
-                        <a:rPr lang="ko-KR" altLang="en-US" sz="1600" baseline="0" dirty="0" smtClean="0"/>
-                        <a:t>점프</a:t>
-                      </a:r>
-                      <a:r>
-                        <a:rPr lang="en-US" altLang="ko-KR" sz="1600" baseline="0" dirty="0" smtClean="0"/>
-                        <a:t>, </a:t>
-                      </a:r>
-                      <a:r>
-                        <a:rPr lang="ko-KR" altLang="en-US" sz="1600" baseline="0" dirty="0" smtClean="0"/>
-                        <a:t>공격 구현</a:t>
-                      </a:r>
-                      <a:endParaRPr lang="en-US" altLang="ko-KR" sz="1600" baseline="0" dirty="0" smtClean="0"/>
-                    </a:p>
-                    <a:p>
-                      <a:pPr marL="342900" indent="-342900">
-                        <a:buAutoNum type="arabicPeriod"/>
-                      </a:pPr>
-                      <a:r>
-                        <a:rPr lang="ko-KR" altLang="en-US" sz="1600" baseline="0" dirty="0" smtClean="0"/>
-                        <a:t>캐릭터 공격에 이용되는 버블 오브젝트 구현</a:t>
-                      </a:r>
-                      <a:endParaRPr lang="ko-KR" altLang="en-US" sz="1600" dirty="0"/>
+                        <a:rPr lang="ko-KR" altLang="en-US" sz="1600" dirty="0" smtClean="0"/>
+                        <a:t>게임 </a:t>
+                      </a:r>
+                      <a:r>
+                        <a:rPr lang="ko-KR" altLang="en-US" sz="1600" dirty="0" err="1" smtClean="0"/>
+                        <a:t>일시정지를</a:t>
+                      </a:r>
+                      <a:r>
+                        <a:rPr lang="ko-KR" altLang="en-US" sz="1600" dirty="0" smtClean="0"/>
+                        <a:t> 제공할 환경설정 </a:t>
+                      </a:r>
+                      <a:r>
+                        <a:rPr lang="ko-KR" altLang="en-US" sz="1600" dirty="0" smtClean="0"/>
+                        <a:t>추가 </a:t>
+                      </a:r>
+                      <a:r>
+                        <a:rPr lang="en-US" altLang="ko-KR" sz="1600" dirty="0" smtClean="0"/>
+                        <a:t>(-50%)</a:t>
+                      </a:r>
+                      <a:endParaRPr lang="en-US" altLang="ko-KR" sz="1600" dirty="0" smtClean="0"/>
                     </a:p>
                   </a:txBody>
                   <a:tcPr/>
@@ -5162,7 +5159,11 @@
                       </a:pPr>
                       <a:r>
                         <a:rPr lang="en-US" altLang="ko-KR" sz="1600" dirty="0" smtClean="0"/>
-                        <a:t>100 %</a:t>
+                        <a:t>25 </a:t>
+                      </a:r>
+                      <a:r>
+                        <a:rPr lang="en-US" altLang="ko-KR" sz="1600" dirty="0" smtClean="0"/>
+                        <a:t>%</a:t>
                       </a:r>
                       <a:endParaRPr lang="ko-KR" altLang="en-US" sz="1600" dirty="0"/>
                     </a:p>
@@ -5179,7 +5180,7 @@
                       <a:pPr latinLnBrk="1"/>
                       <a:r>
                         <a:rPr lang="en-US" altLang="ko-KR" sz="2400" dirty="0" smtClean="0"/>
-                        <a:t>2</a:t>
+                        <a:t>7</a:t>
                       </a:r>
                       <a:r>
                         <a:rPr lang="ko-KR" altLang="en-US" sz="2400" dirty="0" smtClean="0"/>
@@ -5191,11 +5192,11 @@
                       <a:pPr latinLnBrk="1"/>
                       <a:r>
                         <a:rPr lang="en-US" altLang="ko-KR" sz="1400" dirty="0" smtClean="0"/>
-                        <a:t>(10/8</a:t>
+                        <a:t>(11/12</a:t>
                       </a:r>
                       <a:r>
                         <a:rPr lang="en-US" altLang="ko-KR" sz="1400" baseline="0" dirty="0" smtClean="0"/>
-                        <a:t>~10/14)</a:t>
+                        <a:t>~11/18)</a:t>
                       </a:r>
                       <a:endParaRPr lang="ko-KR" altLang="en-US" sz="1400" dirty="0"/>
                     </a:p>
@@ -5209,26 +5210,18 @@
                     <a:p>
                       <a:pPr latinLnBrk="1"/>
                       <a:r>
+                        <a:rPr lang="ko-KR" altLang="en-US" sz="1600" dirty="0" smtClean="0"/>
+                        <a:t>추가구현</a:t>
+                      </a:r>
+                      <a:endParaRPr lang="en-US" altLang="ko-KR" sz="1600" dirty="0" smtClean="0"/>
+                    </a:p>
+                    <a:p>
+                      <a:pPr latinLnBrk="1"/>
+                      <a:r>
                         <a:rPr lang="ko-KR" altLang="en-US" sz="1600" dirty="0" err="1" smtClean="0"/>
-                        <a:t>맵</a:t>
-                      </a:r>
-                      <a:r>
-                        <a:rPr lang="en-US" altLang="ko-KR" sz="1600" dirty="0" smtClean="0"/>
-                        <a:t>/</a:t>
-                      </a:r>
-                      <a:r>
-                        <a:rPr lang="ko-KR" altLang="en-US" sz="1600" dirty="0" smtClean="0"/>
-                        <a:t>캐릭터 상호작용</a:t>
-                      </a:r>
-                      <a:endParaRPr lang="en-US" altLang="ko-KR" sz="1600" dirty="0" smtClean="0"/>
-                    </a:p>
-                    <a:p>
-                      <a:pPr latinLnBrk="1"/>
-                      <a:r>
-                        <a:rPr lang="ko-KR" altLang="en-US" sz="1600" dirty="0" smtClean="0"/>
-                        <a:t>보스</a:t>
-                      </a:r>
-                      <a:endParaRPr lang="en-US" altLang="ko-KR" sz="1600" dirty="0" smtClean="0"/>
+                        <a:t>밸런싱</a:t>
+                      </a:r>
+                      <a:endParaRPr lang="ko-KR" altLang="en-US" sz="1600" dirty="0"/>
                     </a:p>
                   </a:txBody>
                   <a:tcPr/>
@@ -5242,44 +5235,28 @@
                         <a:buAutoNum type="arabicPeriod"/>
                       </a:pPr>
                       <a:r>
+                        <a:rPr lang="en-US" altLang="ko-KR" sz="1600" dirty="0" smtClean="0"/>
+                        <a:t>2,</a:t>
+                      </a:r>
+                      <a:r>
+                        <a:rPr lang="en-US" altLang="ko-KR" sz="1600" baseline="0" dirty="0" smtClean="0"/>
+                        <a:t> 3</a:t>
+                      </a:r>
+                      <a:r>
+                        <a:rPr lang="ko-KR" altLang="en-US" sz="1600" dirty="0" smtClean="0"/>
+                        <a:t>스테이지 보스 구현 </a:t>
+                      </a:r>
+                      <a:r>
+                        <a:rPr lang="en-US" altLang="ko-KR" sz="1600" dirty="0" smtClean="0"/>
+                        <a:t>/ </a:t>
+                      </a:r>
+                      <a:r>
                         <a:rPr lang="ko-KR" altLang="en-US" sz="1600" dirty="0" err="1" smtClean="0"/>
-                        <a:t>맵이</a:t>
+                        <a:t>맵이동</a:t>
                       </a:r>
                       <a:r>
                         <a:rPr lang="ko-KR" altLang="en-US" sz="1600" dirty="0" smtClean="0"/>
-                        <a:t> </a:t>
-                      </a:r>
-                      <a:r>
-                        <a:rPr lang="ko-KR" altLang="en-US" sz="1600" dirty="0" err="1" smtClean="0"/>
-                        <a:t>원시트</a:t>
-                      </a:r>
-                      <a:r>
-                        <a:rPr lang="ko-KR" altLang="en-US" sz="1600" dirty="0" smtClean="0"/>
-                        <a:t> </a:t>
-                      </a:r>
-                      <a:r>
-                        <a:rPr lang="ko-KR" altLang="en-US" sz="1600" dirty="0" err="1" smtClean="0"/>
-                        <a:t>스프라이트이기</a:t>
-                      </a:r>
-                      <a:r>
-                        <a:rPr lang="ko-KR" altLang="en-US" sz="1600" dirty="0" smtClean="0"/>
-                        <a:t> 때문에 </a:t>
-                      </a:r>
-                      <a:r>
-                        <a:rPr lang="ko-KR" altLang="en-US" sz="1600" dirty="0" err="1" smtClean="0"/>
-                        <a:t>맵에서의</a:t>
-                      </a:r>
-                      <a:r>
-                        <a:rPr lang="ko-KR" altLang="en-US" sz="1600" dirty="0" smtClean="0"/>
-                        <a:t> 캐릭터 이동</a:t>
-                      </a:r>
-                      <a:r>
-                        <a:rPr lang="en-US" altLang="ko-KR" sz="1600" dirty="0" smtClean="0"/>
-                        <a:t>, </a:t>
-                      </a:r>
-                      <a:r>
-                        <a:rPr lang="ko-KR" altLang="en-US" sz="1600" dirty="0" smtClean="0"/>
-                        <a:t>점프 상호작용이 원활하게 작동하도록 보완</a:t>
+                        <a:t> 애니메이션 등 추가구현 사항 추가</a:t>
                       </a:r>
                       <a:endParaRPr lang="en-US" altLang="ko-KR" sz="1600" dirty="0" smtClean="0"/>
                     </a:p>
@@ -5288,20 +5265,12 @@
                         <a:buAutoNum type="arabicPeriod"/>
                       </a:pPr>
                       <a:r>
-                        <a:rPr lang="en-US" altLang="ko-KR" sz="1600" dirty="0" smtClean="0"/>
-                        <a:t>1</a:t>
+                        <a:rPr lang="ko-KR" altLang="en-US" sz="1600" dirty="0" err="1" smtClean="0"/>
+                        <a:t>밸런싱</a:t>
                       </a:r>
                       <a:r>
                         <a:rPr lang="ko-KR" altLang="en-US" sz="1600" dirty="0" smtClean="0"/>
-                        <a:t>스테이지의 보스 구현 </a:t>
-                      </a:r>
-                      <a:r>
-                        <a:rPr lang="en-US" altLang="ko-KR" sz="1600" dirty="0" smtClean="0"/>
-                        <a:t>(-20</a:t>
-                      </a:r>
-                      <a:r>
-                        <a:rPr lang="en-US" altLang="ko-KR" sz="1600" baseline="0" dirty="0" smtClean="0"/>
-                        <a:t>%)</a:t>
+                        <a:t> 조정</a:t>
                       </a:r>
                       <a:endParaRPr lang="en-US" altLang="ko-KR" sz="1600" dirty="0" smtClean="0"/>
                     </a:p>
@@ -5318,7 +5287,11 @@
                       </a:pPr>
                       <a:r>
                         <a:rPr lang="en-US" altLang="ko-KR" sz="1600" dirty="0" smtClean="0"/>
-                        <a:t>80 %</a:t>
+                        <a:t>0 </a:t>
+                      </a:r>
+                      <a:r>
+                        <a:rPr lang="en-US" altLang="ko-KR" sz="1600" dirty="0" smtClean="0"/>
+                        <a:t>%</a:t>
                       </a:r>
                     </a:p>
                   </a:txBody>
@@ -5334,7 +5307,7 @@
                       <a:pPr latinLnBrk="1"/>
                       <a:r>
                         <a:rPr lang="en-US" altLang="ko-KR" sz="2400" dirty="0" smtClean="0"/>
-                        <a:t>3</a:t>
+                        <a:t>8</a:t>
                       </a:r>
                       <a:r>
                         <a:rPr lang="ko-KR" altLang="en-US" sz="2400" dirty="0" smtClean="0"/>
@@ -5346,11 +5319,11 @@
                       <a:pPr latinLnBrk="1"/>
                       <a:r>
                         <a:rPr lang="en-US" altLang="ko-KR" sz="1400" dirty="0" smtClean="0"/>
-                        <a:t>(10/15</a:t>
+                        <a:t>(11/19</a:t>
                       </a:r>
                       <a:r>
                         <a:rPr lang="en-US" altLang="ko-KR" sz="1400" baseline="0" dirty="0" smtClean="0"/>
-                        <a:t>~10/21)</a:t>
+                        <a:t>~11/25)</a:t>
                       </a:r>
                       <a:endParaRPr lang="ko-KR" altLang="en-US" sz="1400" dirty="0"/>
                     </a:p>
@@ -5364,42 +5337,26 @@
                     <a:p>
                       <a:pPr latinLnBrk="1"/>
                       <a:r>
-                        <a:rPr lang="ko-KR" altLang="en-US" sz="1600" dirty="0" smtClean="0"/>
-                        <a:t>적</a:t>
-                      </a:r>
-                      <a:endParaRPr lang="en-US" altLang="ko-KR" sz="1600" dirty="0" smtClean="0"/>
-                    </a:p>
-                    <a:p>
-                      <a:pPr latinLnBrk="1"/>
-                      <a:r>
-                        <a:rPr lang="ko-KR" altLang="en-US" sz="1600" dirty="0" smtClean="0"/>
-                        <a:t>캐릭터</a:t>
+                        <a:rPr lang="ko-KR" altLang="en-US" sz="1600" dirty="0" err="1" smtClean="0"/>
+                        <a:t>인트로</a:t>
                       </a:r>
                       <a:r>
                         <a:rPr lang="en-US" altLang="ko-KR" sz="1600" dirty="0" smtClean="0"/>
                         <a:t>/</a:t>
                       </a:r>
                       <a:r>
-                        <a:rPr lang="ko-KR" altLang="en-US" sz="1600" dirty="0" smtClean="0"/>
-                        <a:t>적 상호작용</a:t>
+                        <a:rPr lang="ko-KR" altLang="en-US" sz="1600" dirty="0" err="1" smtClean="0"/>
+                        <a:t>아웃트로</a:t>
                       </a:r>
                       <a:endParaRPr lang="en-US" altLang="ko-KR" sz="1600" dirty="0" smtClean="0"/>
                     </a:p>
                     <a:p>
                       <a:pPr latinLnBrk="1"/>
                       <a:r>
-                        <a:rPr lang="ko-KR" altLang="en-US" sz="1600" dirty="0" smtClean="0"/>
-                        <a:t>버블</a:t>
-                      </a:r>
-                      <a:r>
-                        <a:rPr lang="en-US" altLang="ko-KR" sz="1600" dirty="0" smtClean="0"/>
-                        <a:t>/</a:t>
-                      </a:r>
-                      <a:r>
-                        <a:rPr lang="ko-KR" altLang="en-US" sz="1600" dirty="0" smtClean="0"/>
-                        <a:t>적 상호작용</a:t>
-                      </a:r>
-                      <a:endParaRPr lang="ko-KR" altLang="en-US" sz="1600" dirty="0"/>
+                        <a:rPr lang="ko-KR" altLang="en-US" sz="1600" dirty="0" err="1" smtClean="0"/>
+                        <a:t>튜토리얼</a:t>
+                      </a:r>
+                      <a:endParaRPr lang="en-US" altLang="ko-KR" sz="1600" dirty="0" smtClean="0"/>
                     </a:p>
                   </a:txBody>
                   <a:tcPr/>
@@ -5413,67 +5370,46 @@
                         <a:buAutoNum type="arabicPeriod"/>
                       </a:pPr>
                       <a:r>
-                        <a:rPr lang="ko-KR" altLang="en-US" sz="1600" dirty="0" smtClean="0"/>
-                        <a:t>적 캐릭터의 이동</a:t>
-                      </a:r>
-                      <a:r>
-                        <a:rPr lang="en-US" altLang="ko-KR" sz="1600" dirty="0" smtClean="0"/>
+                        <a:rPr lang="ko-KR" altLang="en-US" sz="1600" dirty="0" err="1" smtClean="0"/>
+                        <a:t>인트로</a:t>
+                      </a:r>
+                      <a:r>
+                        <a:rPr lang="en-US" altLang="ko-KR" sz="1600" baseline="0" dirty="0" smtClean="0"/>
+                        <a:t> </a:t>
+                      </a:r>
+                      <a:r>
+                        <a:rPr lang="ko-KR" altLang="en-US" sz="1600" baseline="0" dirty="0" smtClean="0"/>
+                        <a:t>씬</a:t>
+                      </a:r>
+                      <a:r>
+                        <a:rPr lang="en-US" altLang="ko-KR" sz="1600" baseline="0" dirty="0" smtClean="0"/>
                         <a:t>, </a:t>
                       </a:r>
                       <a:r>
-                        <a:rPr lang="ko-KR" altLang="en-US" sz="1600" dirty="0" smtClean="0"/>
-                        <a:t>점프 구현</a:t>
-                      </a:r>
-                      <a:r>
                         <a:rPr lang="ko-KR" altLang="en-US" sz="1600" baseline="0" dirty="0" smtClean="0"/>
-                        <a:t> </a:t>
-                      </a:r>
-                      <a:r>
-                        <a:rPr lang="en-US" altLang="ko-KR" sz="1600" baseline="0" dirty="0" smtClean="0"/>
-                        <a:t>(-40%)</a:t>
-                      </a:r>
-                      <a:endParaRPr lang="en-US" altLang="ko-KR" sz="1600" dirty="0" smtClean="0"/>
+                        <a:t>게임오버 씬 추가</a:t>
+                      </a:r>
+                      <a:endParaRPr lang="en-US" altLang="ko-KR" sz="1600" baseline="0" dirty="0" smtClean="0"/>
                     </a:p>
                     <a:p>
                       <a:pPr marL="342900" indent="-342900">
                         <a:buAutoNum type="arabicPeriod"/>
                       </a:pPr>
                       <a:r>
-                        <a:rPr lang="ko-KR" altLang="en-US" sz="1600" dirty="0" smtClean="0"/>
-                        <a:t>캐릭터와 적 상호작용 구현</a:t>
-                      </a:r>
-                      <a:r>
-                        <a:rPr lang="en-US" altLang="ko-KR" sz="1600" dirty="0" smtClean="0"/>
-                        <a:t>(</a:t>
-                      </a:r>
-                      <a:r>
-                        <a:rPr lang="ko-KR" altLang="en-US" sz="1600" dirty="0" smtClean="0"/>
-                        <a:t>캐릭터가 죽는 시점</a:t>
-                      </a:r>
-                      <a:r>
-                        <a:rPr lang="en-US" altLang="ko-KR" sz="1600" dirty="0" smtClean="0"/>
-                        <a:t>) (-20%)</a:t>
-                      </a:r>
-                    </a:p>
-                    <a:p>
-                      <a:pPr marL="342900" indent="-342900">
-                        <a:buAutoNum type="arabicPeriod"/>
-                      </a:pPr>
-                      <a:r>
-                        <a:rPr lang="ko-KR" altLang="en-US" sz="1600" dirty="0" smtClean="0"/>
-                        <a:t>버블과 적 상호작용 구현</a:t>
-                      </a:r>
-                      <a:r>
-                        <a:rPr lang="en-US" altLang="ko-KR" sz="1600" dirty="0" smtClean="0"/>
-                        <a:t>(</a:t>
-                      </a:r>
-                      <a:r>
-                        <a:rPr lang="ko-KR" altLang="en-US" sz="1600" dirty="0" smtClean="0"/>
-                        <a:t>적이 버블에 갇히는 시점</a:t>
-                      </a:r>
-                      <a:r>
-                        <a:rPr lang="en-US" altLang="ko-KR" sz="1600" smtClean="0"/>
-                        <a:t>) (-20%)</a:t>
+                        <a:rPr lang="ko-KR" altLang="en-US" sz="1600" baseline="0" dirty="0" err="1" smtClean="0"/>
+                        <a:t>튜토리얼</a:t>
+                      </a:r>
+                      <a:r>
+                        <a:rPr lang="ko-KR" altLang="en-US" sz="1600" baseline="0" dirty="0" smtClean="0"/>
+                        <a:t> </a:t>
+                      </a:r>
+                      <a:r>
+                        <a:rPr lang="ko-KR" altLang="en-US" sz="1600" baseline="0" dirty="0" smtClean="0"/>
+                        <a:t>추가 </a:t>
+                      </a:r>
+                      <a:r>
+                        <a:rPr lang="en-US" altLang="ko-KR" sz="1600" baseline="0" dirty="0" smtClean="0"/>
+                        <a:t>(-30%)</a:t>
                       </a:r>
                       <a:endParaRPr lang="ko-KR" altLang="en-US" sz="1600" dirty="0"/>
                     </a:p>
@@ -5490,11 +5426,15 @@
                       </a:pPr>
                       <a:r>
                         <a:rPr lang="en-US" altLang="ko-KR" sz="1600" dirty="0" smtClean="0"/>
-                        <a:t>20</a:t>
+                        <a:t>70</a:t>
                       </a:r>
                       <a:r>
                         <a:rPr lang="en-US" altLang="ko-KR" sz="1600" baseline="0" dirty="0" smtClean="0"/>
-                        <a:t> %</a:t>
+                        <a:t> </a:t>
+                      </a:r>
+                      <a:r>
+                        <a:rPr lang="en-US" altLang="ko-KR" sz="1600" baseline="0" dirty="0" smtClean="0"/>
+                        <a:t>%</a:t>
                       </a:r>
                       <a:endParaRPr lang="ko-KR" altLang="en-US" sz="1600" dirty="0"/>
                     </a:p>
@@ -5511,7 +5451,7 @@
                       <a:pPr latinLnBrk="1"/>
                       <a:r>
                         <a:rPr lang="en-US" altLang="ko-KR" sz="2400" dirty="0" smtClean="0"/>
-                        <a:t>4</a:t>
+                        <a:t>9</a:t>
                       </a:r>
                       <a:r>
                         <a:rPr lang="ko-KR" altLang="en-US" sz="2400" dirty="0" smtClean="0"/>
@@ -5523,11 +5463,11 @@
                       <a:pPr latinLnBrk="1"/>
                       <a:r>
                         <a:rPr lang="en-US" altLang="ko-KR" sz="1400" dirty="0" smtClean="0"/>
-                        <a:t>(10/22</a:t>
+                        <a:t>(11/26</a:t>
                       </a:r>
                       <a:r>
                         <a:rPr lang="en-US" altLang="ko-KR" sz="1400" baseline="0" dirty="0" smtClean="0"/>
-                        <a:t>~10/28)</a:t>
+                        <a:t>~12/2)</a:t>
                       </a:r>
                       <a:endParaRPr lang="ko-KR" altLang="en-US" sz="1400" dirty="0" smtClean="0"/>
                     </a:p>
@@ -5542,15 +5482,19 @@
                       <a:pPr latinLnBrk="1"/>
                       <a:r>
                         <a:rPr lang="ko-KR" altLang="en-US" sz="1600" dirty="0" smtClean="0"/>
-                        <a:t>아이템</a:t>
+                        <a:t>안정화</a:t>
+                      </a:r>
+                      <a:endParaRPr lang="en-US" altLang="ko-KR" sz="1600" dirty="0" smtClean="0"/>
+                    </a:p>
+                    <a:p>
+                      <a:pPr latinLnBrk="1"/>
+                      <a:r>
+                        <a:rPr lang="ko-KR" altLang="en-US" sz="1600" dirty="0" smtClean="0"/>
+                        <a:t>최종 발표</a:t>
                       </a:r>
                       <a:r>
                         <a:rPr lang="en-US" altLang="ko-KR" sz="1600" dirty="0" smtClean="0"/>
-                        <a:t>/</a:t>
-                      </a:r>
-                      <a:r>
-                        <a:rPr lang="ko-KR" altLang="en-US" sz="1600" dirty="0" smtClean="0"/>
-                        <a:t>점수</a:t>
+                        <a:t>(11/29)</a:t>
                       </a:r>
                       <a:endParaRPr lang="ko-KR" altLang="en-US" sz="1600" dirty="0"/>
                     </a:p>
@@ -5567,7 +5511,7 @@
                       </a:pPr>
                       <a:r>
                         <a:rPr lang="ko-KR" altLang="en-US" sz="1600" dirty="0" smtClean="0"/>
-                        <a:t>음식 모양 오브젝트의 다양한 아이템 구현</a:t>
+                        <a:t>안정화</a:t>
                       </a:r>
                       <a:endParaRPr lang="en-US" altLang="ko-KR" sz="1600" dirty="0" smtClean="0"/>
                     </a:p>
@@ -5577,7 +5521,7 @@
                       </a:pPr>
                       <a:r>
                         <a:rPr lang="ko-KR" altLang="en-US" sz="1600" dirty="0" smtClean="0"/>
-                        <a:t>오브젝트에 따라 점수 제공</a:t>
+                        <a:t>최종 발표 준비</a:t>
                       </a:r>
                       <a:endParaRPr lang="ko-KR" altLang="en-US" sz="1600" dirty="0"/>
                     </a:p>
@@ -5594,7 +5538,11 @@
                       </a:pPr>
                       <a:r>
                         <a:rPr lang="en-US" altLang="ko-KR" sz="1600" dirty="0" smtClean="0"/>
-                        <a:t>0 %</a:t>
+                        <a:t>100 </a:t>
+                      </a:r>
+                      <a:r>
+                        <a:rPr lang="en-US" altLang="ko-KR" sz="1600" dirty="0" smtClean="0"/>
+                        <a:t>%</a:t>
                       </a:r>
                       <a:endParaRPr lang="ko-KR" altLang="en-US" sz="1600" dirty="0"/>
                     </a:p>
@@ -5663,14 +5611,7 @@
                 <a:latin typeface="+mj-ea"/>
                 <a:ea typeface="+mj-ea"/>
               </a:rPr>
-              <a:t>개발 </a:t>
-            </a:r>
-            <a:r>
-              <a:rPr lang="ko-KR" altLang="en-US" sz="4800" b="1" dirty="0" smtClean="0">
-                <a:latin typeface="+mj-ea"/>
-                <a:ea typeface="+mj-ea"/>
-              </a:rPr>
-              <a:t>진척도 </a:t>
+              <a:t>개발 진척도 </a:t>
             </a:r>
             <a:r>
               <a:rPr lang="en-US" altLang="ko-KR" sz="4800" b="1" dirty="0" smtClean="0">
@@ -5852,7 +5793,7 @@
         </p:nvSpPr>
         <p:spPr>
           <a:xfrm>
-            <a:off x="3587000" y="5427380"/>
+            <a:off x="1851985" y="5005349"/>
             <a:ext cx="4100161" cy="400110"/>
           </a:xfrm>
           <a:prstGeom prst="rect">
@@ -5867,16 +5808,12 @@
           <a:lstStyle/>
           <a:p>
             <a:r>
-              <a:rPr lang="en-US" altLang="ko-KR" sz="2000" smtClean="0"/>
-              <a:t>Final </a:t>
-            </a:r>
-            <a:r>
-              <a:rPr lang="en-US" altLang="ko-KR" sz="2000" smtClean="0"/>
-              <a:t>Term </a:t>
-            </a:r>
-            <a:r>
               <a:rPr lang="en-US" altLang="ko-KR" sz="2000" dirty="0" smtClean="0"/>
-              <a:t>project commit : 17 </a:t>
+              <a:t>Final Term project commit : </a:t>
+            </a:r>
+            <a:r>
+              <a:rPr lang="en-US" altLang="ko-KR" sz="2000" dirty="0" smtClean="0"/>
+              <a:t>37 </a:t>
             </a:r>
             <a:r>
               <a:rPr lang="ko-KR" altLang="en-US" sz="2000" dirty="0" smtClean="0"/>
@@ -5886,6 +5823,82 @@
           </a:p>
         </p:txBody>
       </p:sp>
+      <p:sp>
+        <p:nvSpPr>
+          <p:cNvPr id="7" name="TextBox 6"/>
+          <p:cNvSpPr txBox="1"/>
+          <p:nvPr/>
+        </p:nvSpPr>
+        <p:spPr>
+          <a:xfrm>
+            <a:off x="3081389" y="5673754"/>
+            <a:ext cx="6070380" cy="553998"/>
+          </a:xfrm>
+          <a:prstGeom prst="rect">
+            <a:avLst/>
+          </a:prstGeom>
+          <a:noFill/>
+        </p:spPr>
+        <p:txBody>
+          <a:bodyPr wrap="none" rtlCol="0">
+            <a:spAutoFit/>
+          </a:bodyPr>
+          <a:lstStyle/>
+          <a:p>
+            <a:r>
+              <a:rPr lang="en-US" altLang="ko-KR" sz="3000" dirty="0" smtClean="0"/>
+              <a:t>Total </a:t>
+            </a:r>
+            <a:r>
+              <a:rPr lang="en-US" altLang="ko-KR" sz="3000" dirty="0" smtClean="0"/>
+              <a:t>Term project commit : </a:t>
+            </a:r>
+            <a:r>
+              <a:rPr lang="en-US" altLang="ko-KR" sz="3000" dirty="0" smtClean="0"/>
+              <a:t>54</a:t>
+            </a:r>
+            <a:r>
+              <a:rPr lang="en-US" altLang="ko-KR" sz="3000" dirty="0" smtClean="0"/>
+              <a:t> </a:t>
+            </a:r>
+            <a:r>
+              <a:rPr lang="ko-KR" altLang="en-US" sz="3000" dirty="0" smtClean="0"/>
+              <a:t>회</a:t>
+            </a:r>
+            <a:endParaRPr lang="ko-KR" altLang="en-US" sz="3000" dirty="0"/>
+          </a:p>
+        </p:txBody>
+      </p:sp>
+      <p:pic>
+        <p:nvPicPr>
+          <p:cNvPr id="8" name="그림 7"/>
+          <p:cNvPicPr>
+            <a:picLocks noChangeAspect="1"/>
+          </p:cNvPicPr>
+          <p:nvPr/>
+        </p:nvPicPr>
+        <p:blipFill>
+          <a:blip r:embed="rId4">
+            <a:extLst>
+              <a:ext uri="{28A0092B-C50C-407E-A947-70E740481C1C}">
+                <a14:useLocalDpi xmlns:a14="http://schemas.microsoft.com/office/drawing/2010/main" val="0"/>
+              </a:ext>
+            </a:extLst>
+          </a:blip>
+          <a:stretch>
+            <a:fillRect/>
+          </a:stretch>
+        </p:blipFill>
+        <p:spPr>
+          <a:xfrm>
+            <a:off x="106386" y="5966171"/>
+            <a:ext cx="1265214" cy="758014"/>
+          </a:xfrm>
+          <a:prstGeom prst="rect">
+            <a:avLst/>
+          </a:prstGeom>
+        </p:spPr>
+      </p:pic>
     </p:spTree>
     <p:extLst>
       <p:ext uri="{BB962C8B-B14F-4D97-AF65-F5344CB8AC3E}">
@@ -5896,6 +5909,13 @@
   <p:clrMapOvr>
     <a:masterClrMapping/>
   </p:clrMapOvr>
+  <p:timing>
+    <p:tnLst>
+      <p:par>
+        <p:cTn id="1" dur="indefinite" restart="never" nodeType="tmRoot"/>
+      </p:par>
+    </p:tnLst>
+  </p:timing>
 </p:sld>
 </file>
 
@@ -5924,6 +5944,932 @@
         </p:nvSpPr>
         <p:spPr>
           <a:xfrm>
+            <a:off x="0" y="121110"/>
+            <a:ext cx="4310795" cy="830997"/>
+          </a:xfrm>
+          <a:prstGeom prst="rect">
+            <a:avLst/>
+          </a:prstGeom>
+          <a:noFill/>
+        </p:spPr>
+        <p:txBody>
+          <a:bodyPr wrap="none" rtlCol="0">
+            <a:spAutoFit/>
+          </a:bodyPr>
+          <a:lstStyle/>
+          <a:p>
+            <a:r>
+              <a:rPr lang="ko-KR" altLang="en-US" sz="4800" b="1" dirty="0" err="1" smtClean="0">
+                <a:latin typeface="+mj-ea"/>
+                <a:ea typeface="+mj-ea"/>
+              </a:rPr>
+              <a:t>커밋</a:t>
+            </a:r>
+            <a:r>
+              <a:rPr lang="ko-KR" altLang="en-US" sz="4800" b="1" dirty="0" smtClean="0">
+                <a:latin typeface="+mj-ea"/>
+                <a:ea typeface="+mj-ea"/>
+              </a:rPr>
+              <a:t> </a:t>
+            </a:r>
+            <a:r>
+              <a:rPr lang="ko-KR" altLang="en-US" sz="4800" b="1" dirty="0" smtClean="0">
+                <a:latin typeface="+mj-ea"/>
+                <a:ea typeface="+mj-ea"/>
+              </a:rPr>
+              <a:t>주간 통계</a:t>
+            </a:r>
+            <a:endParaRPr lang="en-US" altLang="ko-KR" sz="4800" b="1" dirty="0" smtClean="0">
+              <a:latin typeface="+mj-ea"/>
+              <a:ea typeface="+mj-ea"/>
+            </a:endParaRPr>
+          </a:p>
+        </p:txBody>
+      </p:sp>
+      <p:graphicFrame>
+        <p:nvGraphicFramePr>
+          <p:cNvPr id="8" name="표 7"/>
+          <p:cNvGraphicFramePr>
+            <a:graphicFrameLocks noGrp="1"/>
+          </p:cNvGraphicFramePr>
+          <p:nvPr>
+            <p:extLst>
+              <p:ext uri="{D42A27DB-BD31-4B8C-83A1-F6EECF244321}">
+                <p14:modId xmlns:p14="http://schemas.microsoft.com/office/powerpoint/2010/main" val="899820457"/>
+              </p:ext>
+            </p:extLst>
+          </p:nvPr>
+        </p:nvGraphicFramePr>
+        <p:xfrm>
+          <a:off x="1874999" y="1197813"/>
+          <a:ext cx="6361164" cy="5188472"/>
+        </p:xfrm>
+        <a:graphic>
+          <a:graphicData uri="http://schemas.openxmlformats.org/drawingml/2006/table">
+            <a:tbl>
+              <a:tblPr firstRow="1" bandRow="1">
+                <a:tableStyleId>{5C22544A-7EE6-4342-B048-85BDC9FD1C3A}</a:tableStyleId>
+              </a:tblPr>
+              <a:tblGrid>
+                <a:gridCol w="4472065"/>
+                <a:gridCol w="1889099"/>
+              </a:tblGrid>
+              <a:tr h="441296">
+                <a:tc>
+                  <a:txBody>
+                    <a:bodyPr/>
+                    <a:lstStyle/>
+                    <a:p>
+                      <a:r>
+                        <a:rPr lang="en-US" altLang="ko-KR" sz="2000" dirty="0" smtClean="0"/>
+                        <a:t>week</a:t>
+                      </a:r>
+                      <a:endParaRPr lang="ko-KR" altLang="en-US" sz="2000" dirty="0"/>
+                    </a:p>
+                  </a:txBody>
+                  <a:tcPr marL="99241" marR="99241" marT="49621" marB="49621"/>
+                </a:tc>
+                <a:tc>
+                  <a:txBody>
+                    <a:bodyPr/>
+                    <a:lstStyle/>
+                    <a:p>
+                      <a:r>
+                        <a:rPr lang="en-US" altLang="ko-KR" sz="2000" dirty="0" smtClean="0"/>
+                        <a:t>commits</a:t>
+                      </a:r>
+                      <a:endParaRPr lang="ko-KR" altLang="en-US" sz="2000" dirty="0"/>
+                    </a:p>
+                  </a:txBody>
+                  <a:tcPr marL="99241" marR="99241" marT="49621" marB="49621"/>
+                </a:tc>
+              </a:tr>
+              <a:tr h="527464">
+                <a:tc>
+                  <a:txBody>
+                    <a:bodyPr/>
+                    <a:lstStyle/>
+                    <a:p>
+                      <a:r>
+                        <a:rPr lang="en-US" altLang="ko-KR" sz="2000" dirty="0" smtClean="0"/>
+                        <a:t>1</a:t>
+                      </a:r>
+                      <a:r>
+                        <a:rPr lang="ko-KR" altLang="en-US" sz="2000" dirty="0" smtClean="0"/>
+                        <a:t>주차</a:t>
+                      </a:r>
+                      <a:r>
+                        <a:rPr lang="ko-KR" altLang="en-US" sz="2000" dirty="0" smtClean="0"/>
+                        <a:t> </a:t>
+                      </a:r>
+                      <a:r>
+                        <a:rPr lang="en-US" altLang="ko-KR" sz="2000" dirty="0" smtClean="0"/>
+                        <a:t>:</a:t>
+                      </a:r>
+                      <a:r>
+                        <a:rPr lang="en-US" altLang="ko-KR" sz="2000" baseline="0" dirty="0" smtClean="0"/>
+                        <a:t> week of Sep 30</a:t>
+                      </a:r>
+                      <a:endParaRPr lang="en-US" altLang="ko-KR" sz="2000" dirty="0" smtClean="0"/>
+                    </a:p>
+                  </a:txBody>
+                  <a:tcPr marL="99241" marR="99241" marT="49621" marB="49621"/>
+                </a:tc>
+                <a:tc>
+                  <a:txBody>
+                    <a:bodyPr/>
+                    <a:lstStyle/>
+                    <a:p>
+                      <a:r>
+                        <a:rPr lang="en-US" altLang="ko-KR" sz="2000" dirty="0" smtClean="0"/>
+                        <a:t>0 commits</a:t>
+                      </a:r>
+                      <a:endParaRPr lang="ko-KR" altLang="en-US" sz="2000" dirty="0"/>
+                    </a:p>
+                  </a:txBody>
+                  <a:tcPr marL="99241" marR="99241" marT="49621" marB="49621"/>
+                </a:tc>
+              </a:tr>
+              <a:tr h="527464">
+                <a:tc>
+                  <a:txBody>
+                    <a:bodyPr/>
+                    <a:lstStyle/>
+                    <a:p>
+                      <a:r>
+                        <a:rPr lang="en-US" altLang="ko-KR" sz="2000" dirty="0" smtClean="0"/>
+                        <a:t>2</a:t>
+                      </a:r>
+                      <a:r>
+                        <a:rPr lang="ko-KR" altLang="en-US" sz="2000" dirty="0" smtClean="0"/>
+                        <a:t>주차</a:t>
+                      </a:r>
+                      <a:r>
+                        <a:rPr lang="ko-KR" altLang="en-US" sz="2000" dirty="0" smtClean="0"/>
+                        <a:t> </a:t>
+                      </a:r>
+                      <a:r>
+                        <a:rPr lang="en-US" altLang="ko-KR" sz="2000" dirty="0" smtClean="0"/>
+                        <a:t>:</a:t>
+                      </a:r>
+                      <a:r>
+                        <a:rPr lang="en-US" altLang="ko-KR" sz="2000" baseline="0" dirty="0" smtClean="0"/>
+                        <a:t> week of Oct 7</a:t>
+                      </a:r>
+                      <a:endParaRPr lang="ko-KR" altLang="en-US" sz="2000" dirty="0"/>
+                    </a:p>
+                  </a:txBody>
+                  <a:tcPr marL="99241" marR="99241" marT="49621" marB="49621"/>
+                </a:tc>
+                <a:tc>
+                  <a:txBody>
+                    <a:bodyPr/>
+                    <a:lstStyle/>
+                    <a:p>
+                      <a:r>
+                        <a:rPr lang="en-US" altLang="ko-KR" sz="2000" dirty="0" smtClean="0"/>
+                        <a:t>0 commits</a:t>
+                      </a:r>
+                      <a:endParaRPr lang="ko-KR" altLang="en-US" sz="2000" dirty="0"/>
+                    </a:p>
+                  </a:txBody>
+                  <a:tcPr marL="99241" marR="99241" marT="49621" marB="49621"/>
+                </a:tc>
+              </a:tr>
+              <a:tr h="527464">
+                <a:tc>
+                  <a:txBody>
+                    <a:bodyPr/>
+                    <a:lstStyle/>
+                    <a:p>
+                      <a:r>
+                        <a:rPr lang="en-US" altLang="ko-KR" sz="2000" dirty="0" smtClean="0"/>
+                        <a:t>3</a:t>
+                      </a:r>
+                      <a:r>
+                        <a:rPr lang="ko-KR" altLang="en-US" sz="2000" dirty="0" smtClean="0"/>
+                        <a:t>주차</a:t>
+                      </a:r>
+                      <a:r>
+                        <a:rPr lang="ko-KR" altLang="en-US" sz="2000" dirty="0" smtClean="0"/>
+                        <a:t> </a:t>
+                      </a:r>
+                      <a:r>
+                        <a:rPr lang="en-US" altLang="ko-KR" sz="2000" dirty="0" smtClean="0"/>
+                        <a:t>:</a:t>
+                      </a:r>
+                      <a:r>
+                        <a:rPr lang="en-US" altLang="ko-KR" sz="2000" baseline="0" dirty="0" smtClean="0"/>
+                        <a:t> week of Oct 14</a:t>
+                      </a:r>
+                      <a:endParaRPr lang="ko-KR" altLang="en-US" sz="2000" dirty="0"/>
+                    </a:p>
+                  </a:txBody>
+                  <a:tcPr marL="99241" marR="99241" marT="49621" marB="49621"/>
+                </a:tc>
+                <a:tc>
+                  <a:txBody>
+                    <a:bodyPr/>
+                    <a:lstStyle/>
+                    <a:p>
+                      <a:r>
+                        <a:rPr lang="en-US" altLang="ko-KR" sz="2000" dirty="0" smtClean="0"/>
+                        <a:t>7 commits</a:t>
+                      </a:r>
+                      <a:endParaRPr lang="ko-KR" altLang="en-US" sz="2000" dirty="0"/>
+                    </a:p>
+                  </a:txBody>
+                  <a:tcPr marL="99241" marR="99241" marT="49621" marB="49621"/>
+                </a:tc>
+              </a:tr>
+              <a:tr h="527464">
+                <a:tc>
+                  <a:txBody>
+                    <a:bodyPr/>
+                    <a:lstStyle/>
+                    <a:p>
+                      <a:r>
+                        <a:rPr lang="en-US" altLang="ko-KR" sz="2000" dirty="0" smtClean="0"/>
+                        <a:t>4</a:t>
+                      </a:r>
+                      <a:r>
+                        <a:rPr lang="ko-KR" altLang="en-US" sz="2000" dirty="0" smtClean="0"/>
+                        <a:t>주차</a:t>
+                      </a:r>
+                      <a:r>
+                        <a:rPr lang="ko-KR" altLang="en-US" sz="2000" dirty="0" smtClean="0"/>
+                        <a:t> </a:t>
+                      </a:r>
+                      <a:r>
+                        <a:rPr lang="en-US" altLang="ko-KR" sz="2000" dirty="0" smtClean="0"/>
+                        <a:t>:</a:t>
+                      </a:r>
+                      <a:r>
+                        <a:rPr lang="en-US" altLang="ko-KR" sz="2000" baseline="0" dirty="0" smtClean="0"/>
+                        <a:t> week of Oct 21</a:t>
+                      </a:r>
+                      <a:endParaRPr lang="ko-KR" altLang="en-US" sz="2000" dirty="0"/>
+                    </a:p>
+                  </a:txBody>
+                  <a:tcPr marL="99241" marR="99241" marT="49621" marB="49621"/>
+                </a:tc>
+                <a:tc>
+                  <a:txBody>
+                    <a:bodyPr/>
+                    <a:lstStyle/>
+                    <a:p>
+                      <a:r>
+                        <a:rPr lang="en-US" altLang="ko-KR" sz="2000" dirty="0" smtClean="0"/>
+                        <a:t>7 commits</a:t>
+                      </a:r>
+                      <a:endParaRPr lang="ko-KR" altLang="en-US" sz="2000" dirty="0"/>
+                    </a:p>
+                  </a:txBody>
+                  <a:tcPr marL="99241" marR="99241" marT="49621" marB="49621"/>
+                </a:tc>
+              </a:tr>
+              <a:tr h="527464">
+                <a:tc>
+                  <a:txBody>
+                    <a:bodyPr/>
+                    <a:lstStyle/>
+                    <a:p>
+                      <a:r>
+                        <a:rPr lang="en-US" altLang="ko-KR" sz="2000" dirty="0" smtClean="0"/>
+                        <a:t>5</a:t>
+                      </a:r>
+                      <a:r>
+                        <a:rPr lang="ko-KR" altLang="en-US" sz="2000" dirty="0" smtClean="0"/>
+                        <a:t>주차</a:t>
+                      </a:r>
+                      <a:r>
+                        <a:rPr lang="ko-KR" altLang="en-US" sz="2000" dirty="0" smtClean="0"/>
+                        <a:t> </a:t>
+                      </a:r>
+                      <a:r>
+                        <a:rPr lang="en-US" altLang="ko-KR" sz="2000" dirty="0" smtClean="0"/>
+                        <a:t>:</a:t>
+                      </a:r>
+                      <a:r>
+                        <a:rPr lang="en-US" altLang="ko-KR" sz="2000" baseline="0" dirty="0" smtClean="0"/>
+                        <a:t> week of Oct 28</a:t>
+                      </a:r>
+                      <a:endParaRPr lang="ko-KR" altLang="en-US" sz="2000" dirty="0"/>
+                    </a:p>
+                  </a:txBody>
+                  <a:tcPr marL="99241" marR="99241" marT="49621" marB="49621"/>
+                </a:tc>
+                <a:tc>
+                  <a:txBody>
+                    <a:bodyPr/>
+                    <a:lstStyle/>
+                    <a:p>
+                      <a:r>
+                        <a:rPr lang="en-US" altLang="ko-KR" sz="2000" dirty="0" smtClean="0"/>
+                        <a:t>3 commits</a:t>
+                      </a:r>
+                      <a:endParaRPr lang="ko-KR" altLang="en-US" sz="2000" dirty="0"/>
+                    </a:p>
+                  </a:txBody>
+                  <a:tcPr marL="99241" marR="99241" marT="49621" marB="49621"/>
+                </a:tc>
+              </a:tr>
+              <a:tr h="527464">
+                <a:tc>
+                  <a:txBody>
+                    <a:bodyPr/>
+                    <a:lstStyle/>
+                    <a:p>
+                      <a:r>
+                        <a:rPr lang="en-US" altLang="ko-KR" sz="2000" dirty="0" smtClean="0"/>
+                        <a:t>6</a:t>
+                      </a:r>
+                      <a:r>
+                        <a:rPr lang="ko-KR" altLang="en-US" sz="2000" dirty="0" smtClean="0"/>
+                        <a:t>주차</a:t>
+                      </a:r>
+                      <a:r>
+                        <a:rPr lang="ko-KR" altLang="en-US" sz="2000" dirty="0" smtClean="0"/>
+                        <a:t> </a:t>
+                      </a:r>
+                      <a:r>
+                        <a:rPr lang="en-US" altLang="ko-KR" sz="2000" dirty="0" smtClean="0"/>
+                        <a:t>:</a:t>
+                      </a:r>
+                      <a:r>
+                        <a:rPr lang="en-US" altLang="ko-KR" sz="2000" baseline="0" dirty="0" smtClean="0"/>
+                        <a:t> week of Nov 11</a:t>
+                      </a:r>
+                      <a:endParaRPr lang="ko-KR" altLang="en-US" sz="2000" dirty="0"/>
+                    </a:p>
+                  </a:txBody>
+                  <a:tcPr marL="99241" marR="99241" marT="49621" marB="49621"/>
+                </a:tc>
+                <a:tc>
+                  <a:txBody>
+                    <a:bodyPr/>
+                    <a:lstStyle/>
+                    <a:p>
+                      <a:r>
+                        <a:rPr lang="en-US" altLang="ko-KR" sz="2000" dirty="0" smtClean="0"/>
+                        <a:t>0 commits</a:t>
+                      </a:r>
+                      <a:endParaRPr lang="ko-KR" altLang="en-US" sz="2000" dirty="0"/>
+                    </a:p>
+                  </a:txBody>
+                  <a:tcPr marL="99241" marR="99241" marT="49621" marB="49621"/>
+                </a:tc>
+              </a:tr>
+              <a:tr h="527464">
+                <a:tc>
+                  <a:txBody>
+                    <a:bodyPr/>
+                    <a:lstStyle/>
+                    <a:p>
+                      <a:r>
+                        <a:rPr lang="en-US" altLang="ko-KR" sz="2000" dirty="0" smtClean="0"/>
+                        <a:t>7</a:t>
+                      </a:r>
+                      <a:r>
+                        <a:rPr lang="ko-KR" altLang="en-US" sz="2000" dirty="0" smtClean="0"/>
+                        <a:t>주차</a:t>
+                      </a:r>
+                      <a:r>
+                        <a:rPr lang="ko-KR" altLang="en-US" sz="2000" dirty="0" smtClean="0"/>
+                        <a:t> </a:t>
+                      </a:r>
+                      <a:r>
+                        <a:rPr lang="en-US" altLang="ko-KR" sz="2000" dirty="0" smtClean="0"/>
+                        <a:t>:</a:t>
+                      </a:r>
+                      <a:r>
+                        <a:rPr lang="en-US" altLang="ko-KR" sz="2000" baseline="0" dirty="0" smtClean="0"/>
+                        <a:t> week of Nov 18</a:t>
+                      </a:r>
+                      <a:endParaRPr lang="ko-KR" altLang="en-US" sz="2000" dirty="0"/>
+                    </a:p>
+                  </a:txBody>
+                  <a:tcPr marL="99241" marR="99241" marT="49621" marB="49621"/>
+                </a:tc>
+                <a:tc>
+                  <a:txBody>
+                    <a:bodyPr/>
+                    <a:lstStyle/>
+                    <a:p>
+                      <a:r>
+                        <a:rPr lang="en-US" altLang="ko-KR" sz="2000" dirty="0" smtClean="0"/>
+                        <a:t>17+1 commits</a:t>
+                      </a:r>
+                      <a:endParaRPr lang="ko-KR" altLang="en-US" sz="2000" dirty="0"/>
+                    </a:p>
+                  </a:txBody>
+                  <a:tcPr marL="99241" marR="99241" marT="49621" marB="49621"/>
+                </a:tc>
+              </a:tr>
+              <a:tr h="527464">
+                <a:tc>
+                  <a:txBody>
+                    <a:bodyPr/>
+                    <a:lstStyle/>
+                    <a:p>
+                      <a:r>
+                        <a:rPr lang="en-US" altLang="ko-KR" sz="2000" dirty="0" smtClean="0"/>
+                        <a:t>8</a:t>
+                      </a:r>
+                      <a:r>
+                        <a:rPr lang="ko-KR" altLang="en-US" sz="2000" dirty="0" smtClean="0"/>
+                        <a:t>주차</a:t>
+                      </a:r>
+                      <a:r>
+                        <a:rPr lang="ko-KR" altLang="en-US" sz="2000" dirty="0" smtClean="0"/>
+                        <a:t> </a:t>
+                      </a:r>
+                      <a:r>
+                        <a:rPr lang="en-US" altLang="ko-KR" sz="2000" dirty="0" smtClean="0"/>
+                        <a:t>:</a:t>
+                      </a:r>
+                      <a:r>
+                        <a:rPr lang="en-US" altLang="ko-KR" sz="2000" baseline="0" dirty="0" smtClean="0"/>
+                        <a:t> week of Nov 25</a:t>
+                      </a:r>
+                      <a:endParaRPr lang="ko-KR" altLang="en-US" sz="2000" dirty="0"/>
+                    </a:p>
+                  </a:txBody>
+                  <a:tcPr marL="99241" marR="99241" marT="49621" marB="49621"/>
+                </a:tc>
+                <a:tc>
+                  <a:txBody>
+                    <a:bodyPr/>
+                    <a:lstStyle/>
+                    <a:p>
+                      <a:r>
+                        <a:rPr lang="en-US" altLang="ko-KR" sz="2000" dirty="0" smtClean="0"/>
+                        <a:t>3</a:t>
+                      </a:r>
+                      <a:r>
+                        <a:rPr lang="en-US" altLang="ko-KR" sz="2000" baseline="0" dirty="0" smtClean="0"/>
+                        <a:t> commits</a:t>
+                      </a:r>
+                      <a:endParaRPr lang="ko-KR" altLang="en-US" sz="2000" dirty="0"/>
+                    </a:p>
+                  </a:txBody>
+                  <a:tcPr marL="99241" marR="99241" marT="49621" marB="49621"/>
+                </a:tc>
+              </a:tr>
+              <a:tr h="527464">
+                <a:tc>
+                  <a:txBody>
+                    <a:bodyPr/>
+                    <a:lstStyle/>
+                    <a:p>
+                      <a:r>
+                        <a:rPr lang="en-US" altLang="ko-KR" sz="2000" dirty="0" smtClean="0"/>
+                        <a:t>9</a:t>
+                      </a:r>
+                      <a:r>
+                        <a:rPr lang="ko-KR" altLang="en-US" sz="2000" dirty="0" smtClean="0"/>
+                        <a:t>주차 </a:t>
+                      </a:r>
+                      <a:r>
+                        <a:rPr lang="en-US" altLang="ko-KR" sz="2000" dirty="0" smtClean="0"/>
+                        <a:t>:</a:t>
+                      </a:r>
+                      <a:r>
+                        <a:rPr lang="en-US" altLang="ko-KR" sz="2000" baseline="0" dirty="0" smtClean="0"/>
+                        <a:t> week of Dec 2</a:t>
+                      </a:r>
+                      <a:endParaRPr lang="ko-KR" altLang="en-US" sz="2000" dirty="0"/>
+                    </a:p>
+                  </a:txBody>
+                  <a:tcPr marL="99241" marR="99241" marT="49621" marB="49621"/>
+                </a:tc>
+                <a:tc>
+                  <a:txBody>
+                    <a:bodyPr/>
+                    <a:lstStyle/>
+                    <a:p>
+                      <a:r>
+                        <a:rPr lang="en-US" altLang="ko-KR" sz="2000" dirty="0" smtClean="0"/>
+                        <a:t>17 commits</a:t>
+                      </a:r>
+                      <a:endParaRPr lang="ko-KR" altLang="en-US" sz="2000" dirty="0"/>
+                    </a:p>
+                  </a:txBody>
+                  <a:tcPr marL="99241" marR="99241" marT="49621" marB="49621"/>
+                </a:tc>
+              </a:tr>
+            </a:tbl>
+          </a:graphicData>
+        </a:graphic>
+      </p:graphicFrame>
+      <p:pic>
+        <p:nvPicPr>
+          <p:cNvPr id="10" name="그림 9"/>
+          <p:cNvPicPr>
+            <a:picLocks noChangeAspect="1"/>
+          </p:cNvPicPr>
+          <p:nvPr/>
+        </p:nvPicPr>
+        <p:blipFill>
+          <a:blip r:embed="rId2">
+            <a:extLst>
+              <a:ext uri="{28A0092B-C50C-407E-A947-70E740481C1C}">
+                <a14:useLocalDpi xmlns:a14="http://schemas.microsoft.com/office/drawing/2010/main" val="0"/>
+              </a:ext>
+            </a:extLst>
+          </a:blip>
+          <a:stretch>
+            <a:fillRect/>
+          </a:stretch>
+        </p:blipFill>
+        <p:spPr>
+          <a:xfrm>
+            <a:off x="106386" y="5966171"/>
+            <a:ext cx="1265214" cy="758014"/>
+          </a:xfrm>
+          <a:prstGeom prst="rect">
+            <a:avLst/>
+          </a:prstGeom>
+        </p:spPr>
+      </p:pic>
+    </p:spTree>
+    <p:extLst>
+      <p:ext uri="{BB962C8B-B14F-4D97-AF65-F5344CB8AC3E}">
+        <p14:creationId xmlns:p14="http://schemas.microsoft.com/office/powerpoint/2010/main" val="1847515281"/>
+      </p:ext>
+    </p:extLst>
+  </p:cSld>
+  <p:clrMapOvr>
+    <a:masterClrMapping/>
+  </p:clrMapOvr>
+  <p:timing>
+    <p:tnLst>
+      <p:par>
+        <p:cTn id="1" dur="indefinite" restart="never" nodeType="tmRoot"/>
+      </p:par>
+    </p:tnLst>
+  </p:timing>
+</p:sld>
+</file>
+
+<file path=ppt/slides/slide7.xml><?xml version="1.0" encoding="utf-8"?>
+<p:sld xmlns:a="http://schemas.openxmlformats.org/drawingml/2006/main" xmlns:r="http://schemas.openxmlformats.org/officeDocument/2006/relationships" xmlns:p="http://schemas.openxmlformats.org/presentationml/2006/main">
+  <p:cSld>
+    <p:spTree>
+      <p:nvGrpSpPr>
+        <p:cNvPr id="1" name=""/>
+        <p:cNvGrpSpPr/>
+        <p:nvPr/>
+      </p:nvGrpSpPr>
+      <p:grpSpPr>
+        <a:xfrm>
+          <a:off x="0" y="0"/>
+          <a:ext cx="0" cy="0"/>
+          <a:chOff x="0" y="0"/>
+          <a:chExt cx="0" cy="0"/>
+        </a:xfrm>
+      </p:grpSpPr>
+      <p:sp>
+        <p:nvSpPr>
+          <p:cNvPr id="5" name="TextBox 4"/>
+          <p:cNvSpPr txBox="1"/>
+          <p:nvPr/>
+        </p:nvSpPr>
+        <p:spPr>
+          <a:xfrm>
+            <a:off x="0" y="121110"/>
+            <a:ext cx="2863284" cy="830997"/>
+          </a:xfrm>
+          <a:prstGeom prst="rect">
+            <a:avLst/>
+          </a:prstGeom>
+          <a:noFill/>
+        </p:spPr>
+        <p:txBody>
+          <a:bodyPr wrap="none" rtlCol="0">
+            <a:spAutoFit/>
+          </a:bodyPr>
+          <a:lstStyle/>
+          <a:p>
+            <a:r>
+              <a:rPr lang="ko-KR" altLang="en-US" sz="4800" b="1" dirty="0" smtClean="0">
+                <a:latin typeface="+mj-ea"/>
+                <a:ea typeface="+mj-ea"/>
+              </a:rPr>
+              <a:t>개발 후기</a:t>
+            </a:r>
+            <a:endParaRPr lang="en-US" altLang="ko-KR" sz="4800" b="1" dirty="0" smtClean="0">
+              <a:latin typeface="+mj-ea"/>
+              <a:ea typeface="+mj-ea"/>
+            </a:endParaRPr>
+          </a:p>
+        </p:txBody>
+      </p:sp>
+      <p:pic>
+        <p:nvPicPr>
+          <p:cNvPr id="10" name="그림 9"/>
+          <p:cNvPicPr>
+            <a:picLocks noChangeAspect="1"/>
+          </p:cNvPicPr>
+          <p:nvPr/>
+        </p:nvPicPr>
+        <p:blipFill>
+          <a:blip r:embed="rId2">
+            <a:extLst>
+              <a:ext uri="{28A0092B-C50C-407E-A947-70E740481C1C}">
+                <a14:useLocalDpi xmlns:a14="http://schemas.microsoft.com/office/drawing/2010/main" val="0"/>
+              </a:ext>
+            </a:extLst>
+          </a:blip>
+          <a:stretch>
+            <a:fillRect/>
+          </a:stretch>
+        </p:blipFill>
+        <p:spPr>
+          <a:xfrm>
+            <a:off x="106386" y="5966171"/>
+            <a:ext cx="1265214" cy="758014"/>
+          </a:xfrm>
+          <a:prstGeom prst="rect">
+            <a:avLst/>
+          </a:prstGeom>
+        </p:spPr>
+      </p:pic>
+      <p:sp>
+        <p:nvSpPr>
+          <p:cNvPr id="6" name="TextBox 5"/>
+          <p:cNvSpPr txBox="1"/>
+          <p:nvPr/>
+        </p:nvSpPr>
+        <p:spPr>
+          <a:xfrm>
+            <a:off x="738993" y="1128240"/>
+            <a:ext cx="8448147" cy="1323439"/>
+          </a:xfrm>
+          <a:prstGeom prst="rect">
+            <a:avLst/>
+          </a:prstGeom>
+          <a:noFill/>
+        </p:spPr>
+        <p:txBody>
+          <a:bodyPr wrap="none" rtlCol="0">
+            <a:spAutoFit/>
+          </a:bodyPr>
+          <a:lstStyle/>
+          <a:p>
+            <a:r>
+              <a:rPr lang="ko-KR" altLang="en-US" sz="2000" dirty="0" smtClean="0"/>
+              <a:t>잘된 점 </a:t>
+            </a:r>
+            <a:r>
+              <a:rPr lang="en-US" altLang="ko-KR" sz="2000" dirty="0" smtClean="0"/>
+              <a:t>: </a:t>
+            </a:r>
+            <a:r>
+              <a:rPr lang="ko-KR" altLang="en-US" sz="2000" dirty="0" smtClean="0"/>
+              <a:t>과정이 어떻든 결과물이 나왔다</a:t>
+            </a:r>
+            <a:r>
+              <a:rPr lang="en-US" altLang="ko-KR" sz="2000" dirty="0" smtClean="0"/>
+              <a:t>. </a:t>
+            </a:r>
+            <a:r>
+              <a:rPr lang="ko-KR" altLang="en-US" sz="2000" dirty="0" smtClean="0"/>
+              <a:t>이 얼마나 슬픈 이야기인가</a:t>
+            </a:r>
+            <a:r>
+              <a:rPr lang="en-US" altLang="ko-KR" sz="2000" dirty="0" smtClean="0"/>
+              <a:t>.</a:t>
+            </a:r>
+          </a:p>
+          <a:p>
+            <a:endParaRPr lang="en-US" altLang="ko-KR" sz="2000" dirty="0" smtClean="0"/>
+          </a:p>
+          <a:p>
+            <a:r>
+              <a:rPr lang="en-US" altLang="ko-KR" sz="2000" dirty="0" smtClean="0"/>
+              <a:t>	2D </a:t>
+            </a:r>
+            <a:r>
+              <a:rPr lang="ko-KR" altLang="en-US" sz="2000" dirty="0" smtClean="0"/>
+              <a:t>게임 프로그래밍 수업에서 배울 수 있었던</a:t>
+            </a:r>
+            <a:endParaRPr lang="en-US" altLang="ko-KR" sz="2000" dirty="0" smtClean="0"/>
+          </a:p>
+          <a:p>
+            <a:r>
+              <a:rPr lang="en-US" altLang="ko-KR" sz="2000" dirty="0"/>
+              <a:t> </a:t>
+            </a:r>
+            <a:r>
+              <a:rPr lang="en-US" altLang="ko-KR" sz="2000" dirty="0" smtClean="0"/>
+              <a:t>         </a:t>
+            </a:r>
+            <a:r>
+              <a:rPr lang="ko-KR" altLang="en-US" sz="2000" dirty="0" smtClean="0"/>
+              <a:t>모든 내용을 게임에 접목시킬 수 있었던 점이 가장 좋은 것 같다</a:t>
+            </a:r>
+            <a:r>
+              <a:rPr lang="en-US" altLang="ko-KR" sz="2000" dirty="0" smtClean="0"/>
+              <a:t>.</a:t>
+            </a:r>
+          </a:p>
+        </p:txBody>
+      </p:sp>
+      <p:sp>
+        <p:nvSpPr>
+          <p:cNvPr id="7" name="TextBox 6"/>
+          <p:cNvSpPr txBox="1"/>
+          <p:nvPr/>
+        </p:nvSpPr>
+        <p:spPr>
+          <a:xfrm>
+            <a:off x="738993" y="3147095"/>
+            <a:ext cx="10094430" cy="1323439"/>
+          </a:xfrm>
+          <a:prstGeom prst="rect">
+            <a:avLst/>
+          </a:prstGeom>
+          <a:noFill/>
+        </p:spPr>
+        <p:txBody>
+          <a:bodyPr wrap="none" rtlCol="0">
+            <a:spAutoFit/>
+          </a:bodyPr>
+          <a:lstStyle/>
+          <a:p>
+            <a:r>
+              <a:rPr lang="ko-KR" altLang="en-US" sz="2000" dirty="0" smtClean="0"/>
+              <a:t>아쉬운 점 </a:t>
+            </a:r>
+            <a:r>
+              <a:rPr lang="en-US" altLang="ko-KR" sz="2000" dirty="0" smtClean="0"/>
+              <a:t>: </a:t>
+            </a:r>
+            <a:r>
+              <a:rPr lang="ko-KR" altLang="en-US" sz="2000" dirty="0" smtClean="0"/>
+              <a:t>원래의 목표는 원작과 구분할 수 없을 정도의 </a:t>
+            </a:r>
+            <a:r>
+              <a:rPr lang="ko-KR" altLang="en-US" sz="2000" dirty="0" err="1" smtClean="0"/>
+              <a:t>퀄리티를</a:t>
+            </a:r>
+            <a:r>
+              <a:rPr lang="ko-KR" altLang="en-US" sz="2000" dirty="0" smtClean="0"/>
+              <a:t> </a:t>
+            </a:r>
+            <a:r>
+              <a:rPr lang="ko-KR" altLang="en-US" sz="2000" dirty="0" smtClean="0"/>
+              <a:t>뽑아보는 것이었다</a:t>
+            </a:r>
+            <a:r>
+              <a:rPr lang="en-US" altLang="ko-KR" sz="2000" dirty="0" smtClean="0"/>
+              <a:t>.</a:t>
+            </a:r>
+          </a:p>
+          <a:p>
+            <a:r>
+              <a:rPr lang="en-US" altLang="ko-KR" sz="2000" dirty="0" smtClean="0"/>
+              <a:t>          </a:t>
+            </a:r>
+            <a:r>
+              <a:rPr lang="ko-KR" altLang="en-US" sz="2000" dirty="0" smtClean="0"/>
+              <a:t>하지만 일정에 이리 치이고 나의 게으름에 저리 치이며</a:t>
+            </a:r>
+            <a:endParaRPr lang="en-US" altLang="ko-KR" sz="2000" dirty="0" smtClean="0"/>
+          </a:p>
+          <a:p>
+            <a:r>
+              <a:rPr lang="en-US" altLang="ko-KR" sz="2000" dirty="0"/>
+              <a:t> </a:t>
+            </a:r>
+            <a:r>
+              <a:rPr lang="en-US" altLang="ko-KR" sz="2000" dirty="0" smtClean="0"/>
+              <a:t>         (</a:t>
+            </a:r>
+            <a:r>
+              <a:rPr lang="ko-KR" altLang="en-US" sz="2000" dirty="0" smtClean="0"/>
+              <a:t>사실 게을렀다고 하기에는</a:t>
+            </a:r>
+            <a:r>
+              <a:rPr lang="en-US" altLang="ko-KR" sz="2000" dirty="0" smtClean="0"/>
+              <a:t>, </a:t>
+            </a:r>
+            <a:r>
+              <a:rPr lang="ko-KR" altLang="en-US" sz="2000" dirty="0" smtClean="0"/>
+              <a:t>과거의 </a:t>
+            </a:r>
+            <a:r>
+              <a:rPr lang="en-US" altLang="ko-KR" sz="2000" dirty="0" smtClean="0"/>
+              <a:t>‘</a:t>
+            </a:r>
+            <a:r>
+              <a:rPr lang="ko-KR" altLang="en-US" sz="2000" dirty="0" smtClean="0"/>
+              <a:t>나</a:t>
+            </a:r>
+            <a:r>
+              <a:rPr lang="en-US" altLang="ko-KR" sz="2000" dirty="0" smtClean="0"/>
+              <a:t>’</a:t>
+            </a:r>
+            <a:r>
+              <a:rPr lang="ko-KR" altLang="en-US" sz="2000" dirty="0" smtClean="0"/>
+              <a:t>들에게 미안하지만</a:t>
+            </a:r>
+            <a:r>
+              <a:rPr lang="en-US" altLang="ko-KR" sz="2000" dirty="0" smtClean="0"/>
+              <a:t>)</a:t>
+            </a:r>
+          </a:p>
+          <a:p>
+            <a:r>
+              <a:rPr lang="en-US" altLang="ko-KR" sz="2000" dirty="0"/>
+              <a:t> </a:t>
+            </a:r>
+            <a:r>
+              <a:rPr lang="en-US" altLang="ko-KR" sz="2000" dirty="0" smtClean="0"/>
+              <a:t>         </a:t>
+            </a:r>
+            <a:r>
+              <a:rPr lang="ko-KR" altLang="en-US" sz="2000" dirty="0" smtClean="0"/>
+              <a:t>최종 결과물도 겨우 제출하게 된 점이 가장 안타깝고 아쉬운 것 같다</a:t>
+            </a:r>
+            <a:r>
+              <a:rPr lang="en-US" altLang="ko-KR" sz="2000" dirty="0" smtClean="0"/>
+              <a:t>.</a:t>
+            </a:r>
+            <a:endParaRPr lang="ko-KR" altLang="en-US" sz="2000" dirty="0"/>
+          </a:p>
+        </p:txBody>
+      </p:sp>
+      <p:pic>
+        <p:nvPicPr>
+          <p:cNvPr id="2" name="그림 1"/>
+          <p:cNvPicPr>
+            <a:picLocks noChangeAspect="1"/>
+          </p:cNvPicPr>
+          <p:nvPr/>
+        </p:nvPicPr>
+        <p:blipFill>
+          <a:blip r:embed="rId3"/>
+          <a:stretch>
+            <a:fillRect/>
+          </a:stretch>
+        </p:blipFill>
+        <p:spPr>
+          <a:xfrm>
+            <a:off x="1509589" y="4796608"/>
+            <a:ext cx="9323834" cy="738684"/>
+          </a:xfrm>
+          <a:prstGeom prst="rect">
+            <a:avLst/>
+          </a:prstGeom>
+        </p:spPr>
+      </p:pic>
+    </p:spTree>
+    <p:extLst>
+      <p:ext uri="{BB962C8B-B14F-4D97-AF65-F5344CB8AC3E}">
+        <p14:creationId xmlns:p14="http://schemas.microsoft.com/office/powerpoint/2010/main" val="2038808736"/>
+      </p:ext>
+    </p:extLst>
+  </p:cSld>
+  <p:clrMapOvr>
+    <a:masterClrMapping/>
+  </p:clrMapOvr>
+  <p:timing>
+    <p:tnLst>
+      <p:par>
+        <p:cTn id="1" dur="indefinite" restart="never" nodeType="tmRoot"/>
+      </p:par>
+    </p:tnLst>
+  </p:timing>
+</p:sld>
+</file>
+
+<file path=ppt/slides/slide8.xml><?xml version="1.0" encoding="utf-8"?>
+<p:sld xmlns:a="http://schemas.openxmlformats.org/drawingml/2006/main" xmlns:r="http://schemas.openxmlformats.org/officeDocument/2006/relationships" xmlns:p="http://schemas.openxmlformats.org/presentationml/2006/main">
+  <p:cSld>
+    <p:spTree>
+      <p:nvGrpSpPr>
+        <p:cNvPr id="1" name=""/>
+        <p:cNvGrpSpPr/>
+        <p:nvPr/>
+      </p:nvGrpSpPr>
+      <p:grpSpPr>
+        <a:xfrm>
+          <a:off x="0" y="0"/>
+          <a:ext cx="0" cy="0"/>
+          <a:chOff x="0" y="0"/>
+          <a:chExt cx="0" cy="0"/>
+        </a:xfrm>
+      </p:grpSpPr>
+      <p:sp>
+        <p:nvSpPr>
+          <p:cNvPr id="5" name="TextBox 4"/>
+          <p:cNvSpPr txBox="1"/>
+          <p:nvPr/>
+        </p:nvSpPr>
+        <p:spPr>
+          <a:xfrm>
             <a:off x="4516243" y="2830856"/>
             <a:ext cx="3461204" cy="830997"/>
           </a:xfrm>
@@ -5955,6 +6901,36 @@
           </a:p>
         </p:txBody>
       </p:sp>
+      <p:pic>
+        <p:nvPicPr>
+          <p:cNvPr id="3" name="그림 2"/>
+          <p:cNvPicPr>
+            <a:picLocks noChangeAspect="1"/>
+          </p:cNvPicPr>
+          <p:nvPr/>
+        </p:nvPicPr>
+        <p:blipFill>
+          <a:blip r:embed="rId2">
+            <a:extLst>
+              <a:ext uri="{28A0092B-C50C-407E-A947-70E740481C1C}">
+                <a14:useLocalDpi xmlns:a14="http://schemas.microsoft.com/office/drawing/2010/main" val="0"/>
+              </a:ext>
+            </a:extLst>
+          </a:blip>
+          <a:stretch>
+            <a:fillRect/>
+          </a:stretch>
+        </p:blipFill>
+        <p:spPr>
+          <a:xfrm>
+            <a:off x="106386" y="5966171"/>
+            <a:ext cx="1265214" cy="758014"/>
+          </a:xfrm>
+          <a:prstGeom prst="rect">
+            <a:avLst/>
+          </a:prstGeom>
+        </p:spPr>
+      </p:pic>
     </p:spTree>
     <p:extLst>
       <p:ext uri="{BB962C8B-B14F-4D97-AF65-F5344CB8AC3E}">
@@ -5965,6 +6941,13 @@
   <p:clrMapOvr>
     <a:masterClrMapping/>
   </p:clrMapOvr>
+  <p:timing>
+    <p:tnLst>
+      <p:par>
+        <p:cTn id="1" dur="indefinite" restart="never" nodeType="tmRoot"/>
+      </p:par>
+    </p:tnLst>
+  </p:timing>
 </p:sld>
 </file>
 
